--- a/DL/Courses/CS6301 CNNs UTD/Project/Project 2/UHairNet_Presentation.pptx
+++ b/DL/Courses/CS6301 CNNs UTD/Project/Project 2/UHairNet_Presentation.pptx
@@ -5814,8 +5814,8 @@
           </a:p>
         </p:txBody>
       </p:sp>
-      <mc:AlternateContent xmlns:mc="http://schemas.openxmlformats.org/markup-compatibility/2006">
-        <mc:Choice xmlns:a14="http://schemas.microsoft.com/office/drawing/2010/main" Requires="a14">
+      <mc:AlternateContent xmlns:mc="http://schemas.openxmlformats.org/markup-compatibility/2006" xmlns:a14="http://schemas.microsoft.com/office/drawing/2010/main">
+        <mc:Choice Requires="a14">
           <p:sp>
             <p:nvSpPr>
               <p:cNvPr id="3" name="Content Placeholder 2">
@@ -6018,7 +6018,7 @@
             </p:txBody>
           </p:sp>
         </mc:Choice>
-        <mc:Fallback>
+        <mc:Fallback xmlns="">
           <p:sp>
             <p:nvSpPr>
               <p:cNvPr id="3" name="Content Placeholder 2">
@@ -6155,8 +6155,8 @@
           </a:p>
         </p:txBody>
       </p:sp>
-      <mc:AlternateContent xmlns:mc="http://schemas.openxmlformats.org/markup-compatibility/2006">
-        <mc:Choice xmlns:a14="http://schemas.microsoft.com/office/drawing/2010/main" Requires="a14">
+      <mc:AlternateContent xmlns:mc="http://schemas.openxmlformats.org/markup-compatibility/2006" xmlns:a14="http://schemas.microsoft.com/office/drawing/2010/main">
+        <mc:Choice Requires="a14">
           <p:sp>
             <p:nvSpPr>
               <p:cNvPr id="4" name="TextBox 3">
@@ -6343,7 +6343,7 @@
             </p:txBody>
           </p:sp>
         </mc:Choice>
-        <mc:Fallback>
+        <mc:Fallback xmlns="">
           <p:sp>
             <p:nvSpPr>
               <p:cNvPr id="4" name="TextBox 3">
@@ -6525,34 +6525,21 @@
                 <a:latin typeface="Calibri Light" panose="020F0502020204030204" pitchFamily="34" charset="0"/>
                 <a:cs typeface="Calibri Light" panose="020F0502020204030204" pitchFamily="34" charset="0"/>
               </a:rPr>
-              <a:t>Here’s where you include the demo results</a:t>
+              <a:t>Image segmentation on Oxford IIIT Dataset</a:t>
             </a:r>
           </a:p>
           <a:p>
             <a:pPr lvl="1"/>
             <a:r>
               <a:rPr lang="en-US" sz="2000" dirty="0">
-                <a:latin typeface="Calibri Light" panose="020F0502020204030204" pitchFamily="34" charset="0"/>
-                <a:cs typeface="Calibri Light" panose="020F0502020204030204" pitchFamily="34" charset="0"/>
-              </a:rPr>
-              <a:t>Add a link to your GitHub or </a:t>
-            </a:r>
-            <a:r>
-              <a:rPr lang="en-US" sz="2000" dirty="0" err="1">
-                <a:latin typeface="Calibri Light" panose="020F0502020204030204" pitchFamily="34" charset="0"/>
-                <a:cs typeface="Calibri Light" panose="020F0502020204030204" pitchFamily="34" charset="0"/>
-              </a:rPr>
-              <a:t>Colab</a:t>
-            </a:r>
-            <a:r>
-              <a:rPr lang="en-US" sz="2000" dirty="0">
-                <a:latin typeface="Calibri Light" panose="020F0502020204030204" pitchFamily="34" charset="0"/>
-                <a:cs typeface="Calibri Light" panose="020F0502020204030204" pitchFamily="34" charset="0"/>
-              </a:rPr>
-              <a:t> code</a:t>
-            </a:r>
-          </a:p>
-          <a:p>
+                <a:hlinkClick r:id="rId2"/>
+              </a:rPr>
+              <a:t>https://github.com/harrisonjansma/2020_Notes/tree/master/DL/Courses/CS6301%20CNNs%20UTD/Project/Project%202</a:t>
+            </a:r>
+            <a:endParaRPr lang="en-US" sz="2000" dirty="0"/>
+          </a:p>
+          <a:p>
+            <a:pPr lvl="1"/>
             <a:endParaRPr lang="en-US" sz="2000" dirty="0">
               <a:latin typeface="Calibri Light" panose="020F0502020204030204" pitchFamily="34" charset="0"/>
               <a:cs typeface="Calibri Light" panose="020F0502020204030204" pitchFamily="34" charset="0"/>
@@ -6564,7 +6551,7 @@
                 <a:latin typeface="Calibri Light" panose="020F0502020204030204" pitchFamily="34" charset="0"/>
                 <a:cs typeface="Calibri Light" panose="020F0502020204030204" pitchFamily="34" charset="0"/>
               </a:rPr>
-              <a:t>Include some of the main details of how the results were generated</a:t>
+              <a:t>Initialized a MobileNet style encoder</a:t>
             </a:r>
           </a:p>
           <a:p>
@@ -6575,12 +6562,30 @@
           </a:p>
           <a:p>
             <a:r>
+              <a:rPr lang="en-US" sz="2400">
+                <a:latin typeface="Calibri Light" panose="020F0502020204030204" pitchFamily="34" charset="0"/>
+                <a:cs typeface="Calibri Light" panose="020F0502020204030204" pitchFamily="34" charset="0"/>
+              </a:rPr>
+              <a:t>Trained encoder + decoder </a:t>
+            </a:r>
+            <a:r>
               <a:rPr lang="en-US" sz="2400" dirty="0">
                 <a:latin typeface="Calibri Light" panose="020F0502020204030204" pitchFamily="34" charset="0"/>
                 <a:cs typeface="Calibri Light" panose="020F0502020204030204" pitchFamily="34" charset="0"/>
               </a:rPr>
-              <a:t>Add some commentary pointing out key positive and negative aspects</a:t>
-            </a:r>
+              <a:t>to predict </a:t>
+            </a:r>
+            <a:r>
+              <a:rPr lang="en-US" sz="2400">
+                <a:latin typeface="Calibri Light" panose="020F0502020204030204" pitchFamily="34" charset="0"/>
+                <a:cs typeface="Calibri Light" panose="020F0502020204030204" pitchFamily="34" charset="0"/>
+              </a:rPr>
+              <a:t>pixel classifications</a:t>
+            </a:r>
+            <a:endParaRPr lang="en-US" sz="2400" dirty="0">
+              <a:latin typeface="Calibri Light" panose="020F0502020204030204" pitchFamily="34" charset="0"/>
+              <a:cs typeface="Calibri Light" panose="020F0502020204030204" pitchFamily="34" charset="0"/>
+            </a:endParaRPr>
           </a:p>
           <a:p>
             <a:endParaRPr lang="en-US" sz="2000" dirty="0">
@@ -6679,58 +6684,6 @@
                 <a:cs typeface="Calibri Light" panose="020F0502020204030204" pitchFamily="34" charset="0"/>
               </a:rPr>
               <a:t> based application ideas; references to credit the actual inventors of the various ideas is provided at the end</a:t>
-            </a:r>
-          </a:p>
-        </p:txBody>
-      </p:sp>
-      <p:sp>
-        <p:nvSpPr>
-          <p:cNvPr id="7" name="Rectangle 6">
-            <a:extLst>
-              <a:ext uri="{FF2B5EF4-FFF2-40B4-BE49-F238E27FC236}">
-                <a16:creationId xmlns:a16="http://schemas.microsoft.com/office/drawing/2014/main" id="{A30E54C6-B95E-6646-A2F4-282CE64C9849}"/>
-              </a:ext>
-            </a:extLst>
-          </p:cNvPr>
-          <p:cNvSpPr/>
-          <p:nvPr/>
-        </p:nvSpPr>
-        <p:spPr>
-          <a:xfrm>
-            <a:off x="7162798" y="1605515"/>
-            <a:ext cx="3962400" cy="4242816"/>
-          </a:xfrm>
-          <a:prstGeom prst="rect">
-            <a:avLst/>
-          </a:prstGeom>
-        </p:spPr>
-        <p:style>
-          <a:lnRef idx="2">
-            <a:schemeClr val="accent1">
-              <a:shade val="50000"/>
-            </a:schemeClr>
-          </a:lnRef>
-          <a:fillRef idx="1">
-            <a:schemeClr val="accent1"/>
-          </a:fillRef>
-          <a:effectRef idx="0">
-            <a:schemeClr val="accent1"/>
-          </a:effectRef>
-          <a:fontRef idx="minor">
-            <a:schemeClr val="lt1"/>
-          </a:fontRef>
-        </p:style>
-        <p:txBody>
-          <a:bodyPr rtlCol="0" anchor="ctr"/>
-          <a:lstStyle/>
-          <a:p>
-            <a:pPr algn="ctr"/>
-            <a:r>
-              <a:rPr lang="en-US" sz="2400" dirty="0">
-                <a:latin typeface="Calibri Light" panose="020F0302020204030204" pitchFamily="34" charset="0"/>
-                <a:cs typeface="Calibri Light" panose="020F0302020204030204" pitchFamily="34" charset="0"/>
-              </a:rPr>
-              <a:t>Nice to include a relevant picture here</a:t>
             </a:r>
           </a:p>
         </p:txBody>
